--- a/Presentation/Presentation.pptx
+++ b/Presentation/Presentation.pptx
@@ -6,11 +6,13 @@
   </p:sldMasterIdLst>
   <p:sldIdLst>
     <p:sldId id="256" r:id="rId2"/>
-    <p:sldId id="257" r:id="rId3"/>
-    <p:sldId id="258" r:id="rId4"/>
-    <p:sldId id="259" r:id="rId5"/>
-    <p:sldId id="260" r:id="rId6"/>
-    <p:sldId id="261" r:id="rId7"/>
+    <p:sldId id="263" r:id="rId3"/>
+    <p:sldId id="262" r:id="rId4"/>
+    <p:sldId id="257" r:id="rId5"/>
+    <p:sldId id="258" r:id="rId6"/>
+    <p:sldId id="259" r:id="rId7"/>
+    <p:sldId id="260" r:id="rId8"/>
+    <p:sldId id="261" r:id="rId9"/>
   </p:sldIdLst>
   <p:sldSz cx="12192000" cy="6858000"/>
   <p:notesSz cx="6858000" cy="9144000"/>
@@ -109,6 +111,11 @@
       </a:defRPr>
     </a:lvl9pPr>
   </p:defaultTextStyle>
+  <p:extLst>
+    <p:ext uri="{EFAFB233-063F-42B5-8137-9DF3F51BA10A}">
+      <p15:sldGuideLst xmlns:p15="http://schemas.microsoft.com/office/powerpoint/2012/main"/>
+    </p:ext>
+  </p:extLst>
 </p:presentation>
 </file>
 
@@ -3423,7 +3430,7 @@
           <a:p>
             <a:r>
               <a:rPr lang="da-DK" dirty="0"/>
-              <a:t>Case for Lego</a:t>
+              <a:t>Case gennemgang Lego</a:t>
             </a:r>
           </a:p>
         </p:txBody>
@@ -3446,21 +3453,32 @@
         </p:nvSpPr>
         <p:spPr>
           <a:xfrm>
-            <a:off x="1524000" y="2214536"/>
+            <a:off x="1524000" y="3200497"/>
             <a:ext cx="9144000" cy="1655762"/>
           </a:xfrm>
         </p:spPr>
         <p:txBody>
-          <a:bodyPr/>
-          <a:lstStyle/>
-          <a:p>
-            <a:r>
-              <a:rPr lang="da-DK" i="1" dirty="0" err="1"/>
+          <a:bodyPr>
+            <a:normAutofit fontScale="92500" lnSpcReduction="20000"/>
+          </a:bodyPr>
+          <a:lstStyle/>
+          <a:p>
+            <a:r>
+              <a:rPr lang="da-DK" sz="4000" i="1" dirty="0" err="1"/>
               <a:t>Gotta</a:t>
             </a:r>
             <a:r>
-              <a:rPr lang="da-DK" i="1" dirty="0"/>
+              <a:rPr lang="da-DK" sz="4000" i="1" dirty="0"/>
               <a:t> Process ‘Em All!</a:t>
+            </a:r>
+          </a:p>
+          <a:p>
+            <a:endParaRPr lang="da-DK" sz="4000" i="1" dirty="0"/>
+          </a:p>
+          <a:p>
+            <a:r>
+              <a:rPr lang="da-DK" sz="4000" i="1" dirty="0"/>
+              <a:t>Af Søren Iversen</a:t>
             </a:r>
           </a:p>
         </p:txBody>
@@ -3500,7 +3518,7 @@
           <p:cNvPr id="2" name="Title 1">
             <a:extLst>
               <a:ext uri="{FF2B5EF4-FFF2-40B4-BE49-F238E27FC236}">
-                <a16:creationId xmlns:a16="http://schemas.microsoft.com/office/drawing/2014/main" id="{CDAC785D-7F57-4081-97E4-4CCE3D01F4BF}"/>
+                <a16:creationId xmlns:a16="http://schemas.microsoft.com/office/drawing/2014/main" id="{BA52007E-D3E7-4C1A-8433-B68C168EC42D}"/>
               </a:ext>
             </a:extLst>
           </p:cNvPr>
@@ -3518,7 +3536,7 @@
           <a:p>
             <a:r>
               <a:rPr lang="da-DK" dirty="0"/>
-              <a:t>Valg af platform og teknologi</a:t>
+              <a:t>Gennemgang</a:t>
             </a:r>
           </a:p>
         </p:txBody>
@@ -3528,7 +3546,7 @@
           <p:cNvPr id="3" name="Content Placeholder 2">
             <a:extLst>
               <a:ext uri="{FF2B5EF4-FFF2-40B4-BE49-F238E27FC236}">
-                <a16:creationId xmlns:a16="http://schemas.microsoft.com/office/drawing/2014/main" id="{13D6AB80-3CD6-4481-A4DB-003794C5F020}"/>
+                <a16:creationId xmlns:a16="http://schemas.microsoft.com/office/drawing/2014/main" id="{0C19045F-0DD2-407B-B852-659EE902E727}"/>
               </a:ext>
             </a:extLst>
           </p:cNvPr>
@@ -3541,117 +3559,108 @@
         </p:nvSpPr>
         <p:spPr/>
         <p:txBody>
-          <a:bodyPr>
-            <a:normAutofit/>
-          </a:bodyPr>
+          <a:bodyPr/>
           <a:lstStyle/>
           <a:p>
             <a:r>
               <a:rPr lang="da-DK" dirty="0"/>
-              <a:t>Mange </a:t>
+              <a:t>Præsentation af den givne </a:t>
+            </a:r>
+            <a:r>
+              <a:rPr lang="da-DK" dirty="0" err="1"/>
+              <a:t>use</a:t>
+            </a:r>
+            <a:r>
+              <a:rPr lang="da-DK" dirty="0"/>
+              <a:t>-case, herunder </a:t>
             </a:r>
             <a:r>
               <a:rPr lang="da-DK" i="1" dirty="0"/>
-              <a:t>sikre</a:t>
+              <a:t>krav-</a:t>
+            </a:r>
+            <a:r>
+              <a:rPr lang="da-DK" i="1" dirty="0" err="1"/>
+              <a:t>spec</a:t>
             </a:r>
             <a:r>
               <a:rPr lang="da-DK" dirty="0"/>
-              <a:t> løsnings-metoder;</a:t>
+              <a:t> til en løsning</a:t>
+            </a:r>
+          </a:p>
+          <a:p>
+            <a:r>
+              <a:rPr lang="da-DK" dirty="0"/>
+              <a:t>Valg af arkitektur, værktøjer og metoder</a:t>
+            </a:r>
+          </a:p>
+          <a:p>
+            <a:r>
+              <a:rPr lang="da-DK" dirty="0"/>
+              <a:t>Gennemgang af løsningsdesign</a:t>
+            </a:r>
+          </a:p>
+          <a:p>
+            <a:r>
+              <a:rPr lang="da-DK" dirty="0"/>
+              <a:t>Gennemgang af koden og output</a:t>
             </a:r>
           </a:p>
           <a:p>
             <a:pPr lvl="1"/>
             <a:r>
               <a:rPr lang="da-DK" dirty="0"/>
-              <a:t>C# script, </a:t>
+              <a:t>Demonstration af funktionalitet</a:t>
+            </a:r>
+          </a:p>
+          <a:p>
+            <a:r>
+              <a:rPr lang="da-DK" dirty="0"/>
+              <a:t>Det </a:t>
             </a:r>
             <a:r>
               <a:rPr lang="da-DK" dirty="0" err="1"/>
-              <a:t>Azure</a:t>
+              <a:t>dimensionelle</a:t>
             </a:r>
             <a:r>
               <a:rPr lang="da-DK" dirty="0"/>
-              <a:t> </a:t>
+              <a:t> model-design og </a:t>
             </a:r>
             <a:r>
               <a:rPr lang="da-DK" dirty="0" err="1"/>
-              <a:t>DataFactory</a:t>
+              <a:t>Pokedex</a:t>
             </a:r>
             <a:r>
               <a:rPr lang="da-DK" dirty="0"/>
-              <a:t>, Relationelle SQL database</a:t>
-            </a:r>
+              <a:t> rapporten</a:t>
+            </a:r>
+          </a:p>
+          <a:p>
+            <a:r>
+              <a:rPr lang="da-DK" dirty="0"/>
+              <a:t>Tanker og </a:t>
+            </a:r>
+            <a:r>
+              <a:rPr lang="da-DK" dirty="0" err="1"/>
+              <a:t>reflektioner</a:t>
+            </a:r>
+            <a:endParaRPr lang="da-DK" dirty="0"/>
+          </a:p>
+          <a:p>
+            <a:pPr lvl="1"/>
+            <a:endParaRPr lang="da-DK" dirty="0"/>
           </a:p>
           <a:p>
             <a:pPr marL="0" indent="0">
               <a:buNone/>
             </a:pPr>
             <a:endParaRPr lang="da-DK" dirty="0"/>
-          </a:p>
-          <a:p>
-            <a:pPr marL="0" indent="0">
-              <a:buNone/>
-            </a:pPr>
-            <a:r>
-              <a:rPr lang="da-DK" sz="3600" dirty="0"/>
-              <a:t>MEN:</a:t>
-            </a:r>
-          </a:p>
-          <a:p>
-            <a:pPr marL="0" indent="0">
-              <a:buNone/>
-            </a:pPr>
-            <a:r>
-              <a:rPr lang="da-DK" dirty="0"/>
-              <a:t>AWZ, </a:t>
-            </a:r>
-            <a:r>
-              <a:rPr lang="da-DK" dirty="0" err="1"/>
-              <a:t>Databricks</a:t>
-            </a:r>
-            <a:r>
-              <a:rPr lang="da-DK" dirty="0"/>
-              <a:t> og Delta Lake tabeller</a:t>
-            </a:r>
-          </a:p>
-          <a:p>
-            <a:pPr marL="0" indent="0">
-              <a:buNone/>
-            </a:pPr>
-            <a:r>
-              <a:rPr lang="da-DK" dirty="0"/>
-              <a:t>	-&gt; Cloud-baseret, </a:t>
-            </a:r>
-            <a:r>
-              <a:rPr lang="da-DK" dirty="0" err="1"/>
-              <a:t>Lakehouse</a:t>
-            </a:r>
-            <a:r>
-              <a:rPr lang="da-DK" dirty="0"/>
-              <a:t> arkitektur med streaming-data</a:t>
-            </a:r>
-          </a:p>
-          <a:p>
-            <a:pPr marL="0" indent="0">
-              <a:buNone/>
-            </a:pPr>
-            <a:endParaRPr lang="da-DK" dirty="0"/>
-          </a:p>
-          <a:p>
-            <a:pPr marL="0" indent="0">
-              <a:buNone/>
-            </a:pPr>
-            <a:r>
-              <a:rPr lang="da-DK" i="1" dirty="0"/>
-              <a:t>…Dog ikke helt uden udfordringer</a:t>
-            </a:r>
           </a:p>
         </p:txBody>
       </p:sp>
     </p:spTree>
     <p:extLst>
       <p:ext uri="{BB962C8B-B14F-4D97-AF65-F5344CB8AC3E}">
-        <p14:creationId xmlns:p14="http://schemas.microsoft.com/office/powerpoint/2010/main" val="1677778631"/>
+        <p14:creationId xmlns:p14="http://schemas.microsoft.com/office/powerpoint/2010/main" val="2039804957"/>
       </p:ext>
     </p:extLst>
   </p:cSld>
@@ -3700,51 +3709,155 @@
           <a:lstStyle/>
           <a:p>
             <a:r>
+              <a:rPr lang="da-DK" b="1" dirty="0"/>
+              <a:t>Case og valg af arkitektur</a:t>
+            </a:r>
+          </a:p>
+        </p:txBody>
+      </p:sp>
+      <p:sp>
+        <p:nvSpPr>
+          <p:cNvPr id="3" name="Content Placeholder 2">
+            <a:extLst>
+              <a:ext uri="{FF2B5EF4-FFF2-40B4-BE49-F238E27FC236}">
+                <a16:creationId xmlns:a16="http://schemas.microsoft.com/office/drawing/2014/main" id="{13D6AB80-3CD6-4481-A4DB-003794C5F020}"/>
+              </a:ext>
+            </a:extLst>
+          </p:cNvPr>
+          <p:cNvSpPr>
+            <a:spLocks noGrp="1"/>
+          </p:cNvSpPr>
+          <p:nvPr>
+            <p:ph idx="1"/>
+          </p:nvPr>
+        </p:nvSpPr>
+        <p:spPr/>
+        <p:txBody>
+          <a:bodyPr>
+            <a:normAutofit lnSpcReduction="10000"/>
+          </a:bodyPr>
+          <a:lstStyle/>
+          <a:p>
+            <a:r>
+              <a:rPr lang="da-DK" dirty="0" err="1"/>
+              <a:t>PokeAPI</a:t>
+            </a:r>
+            <a:endParaRPr lang="da-DK" dirty="0"/>
+          </a:p>
+          <a:p>
+            <a:pPr lvl="1"/>
+            <a:r>
               <a:rPr lang="da-DK" dirty="0"/>
-              <a:t>Solution Design</a:t>
-            </a:r>
-          </a:p>
-        </p:txBody>
-      </p:sp>
-      <p:pic>
-        <p:nvPicPr>
-          <p:cNvPr id="5" name="Content Placeholder 4" descr="Diagram&#10;&#10;Description automatically generated">
-            <a:extLst>
-              <a:ext uri="{FF2B5EF4-FFF2-40B4-BE49-F238E27FC236}">
-                <a16:creationId xmlns:a16="http://schemas.microsoft.com/office/drawing/2014/main" id="{F3963B2A-7B4A-4413-B816-E5F697988D47}"/>
-              </a:ext>
-            </a:extLst>
-          </p:cNvPr>
-          <p:cNvPicPr>
-            <a:picLocks noGrp="1" noChangeAspect="1"/>
-          </p:cNvPicPr>
-          <p:nvPr>
-            <p:ph idx="1"/>
-          </p:nvPr>
-        </p:nvPicPr>
-        <p:blipFill>
-          <a:blip r:embed="rId2">
-            <a:extLst>
-              <a:ext uri="{28A0092B-C50C-407E-A947-70E740481C1C}">
-                <a14:useLocalDpi xmlns:a14="http://schemas.microsoft.com/office/drawing/2010/main" val="0"/>
-              </a:ext>
-            </a:extLst>
-          </a:blip>
-          <a:stretch>
-            <a:fillRect/>
-          </a:stretch>
-        </p:blipFill>
-        <p:spPr>
-          <a:xfrm>
-            <a:off x="838200" y="1551446"/>
-            <a:ext cx="10329210" cy="4667593"/>
-          </a:xfrm>
-        </p:spPr>
-      </p:pic>
+              <a:t>GET og Snapshot i en </a:t>
+            </a:r>
+            <a:r>
+              <a:rPr lang="da-DK" dirty="0" err="1"/>
+              <a:t>landingzone</a:t>
+            </a:r>
+            <a:endParaRPr lang="da-DK" dirty="0"/>
+          </a:p>
+          <a:p>
+            <a:pPr marL="457200" lvl="1" indent="0">
+              <a:buNone/>
+            </a:pPr>
+            <a:endParaRPr lang="da-DK" dirty="0"/>
+          </a:p>
+          <a:p>
+            <a:r>
+              <a:rPr lang="da-DK" dirty="0"/>
+              <a:t>Informationer om Pokemon, skal udstilles til en investor</a:t>
+            </a:r>
+          </a:p>
+          <a:p>
+            <a:pPr lvl="1"/>
+            <a:r>
+              <a:rPr lang="da-DK" dirty="0"/>
+              <a:t>Interaktivt Dashboard som slutprodukt (evt. en </a:t>
+            </a:r>
+            <a:r>
+              <a:rPr lang="da-DK" dirty="0" err="1"/>
+              <a:t>dimensionel</a:t>
+            </a:r>
+            <a:r>
+              <a:rPr lang="da-DK" dirty="0"/>
+              <a:t> model)</a:t>
+            </a:r>
+          </a:p>
+          <a:p>
+            <a:pPr lvl="1"/>
+            <a:r>
+              <a:rPr lang="da-DK" dirty="0"/>
+              <a:t>De væsentlige oplysninger er defineret af investoren</a:t>
+            </a:r>
+          </a:p>
+          <a:p>
+            <a:pPr lvl="1"/>
+            <a:r>
+              <a:rPr lang="da-DK" dirty="0"/>
+              <a:t>Investoren vil gerne kunne se tidligere ”</a:t>
+            </a:r>
+            <a:r>
+              <a:rPr lang="da-DK" i="1" dirty="0"/>
+              <a:t>sandheder”.</a:t>
+            </a:r>
+          </a:p>
+          <a:p>
+            <a:pPr marL="457200" lvl="1" indent="0">
+              <a:buNone/>
+            </a:pPr>
+            <a:endParaRPr lang="da-DK" dirty="0"/>
+          </a:p>
+          <a:p>
+            <a:r>
+              <a:rPr lang="da-DK" dirty="0"/>
+              <a:t>Tænk PII </a:t>
+            </a:r>
+            <a:r>
+              <a:rPr lang="da-DK" i="1" dirty="0" err="1"/>
+              <a:t>pseudonymisering</a:t>
+            </a:r>
+            <a:r>
+              <a:rPr lang="da-DK" dirty="0"/>
+              <a:t> ind fra starten</a:t>
+            </a:r>
+            <a:r>
+              <a:rPr lang="da-DK" dirty="0">
+                <a:sym typeface="Wingdings" panose="05000000000000000000" pitchFamily="2" charset="2"/>
+              </a:rPr>
+              <a:t> </a:t>
+            </a:r>
+          </a:p>
+          <a:p>
+            <a:pPr lvl="1"/>
+            <a:r>
+              <a:rPr lang="da-DK" sz="2000" dirty="0">
+                <a:sym typeface="Wingdings" panose="05000000000000000000" pitchFamily="2" charset="2"/>
+              </a:rPr>
+              <a:t>hvad med </a:t>
+            </a:r>
+            <a:r>
+              <a:rPr lang="da-DK" sz="2000" i="1" dirty="0">
+                <a:sym typeface="Wingdings" panose="05000000000000000000" pitchFamily="2" charset="2"/>
+              </a:rPr>
+              <a:t>Anonymisering?</a:t>
+            </a:r>
+          </a:p>
+          <a:p>
+            <a:pPr lvl="1"/>
+            <a:r>
+              <a:rPr lang="da-DK" sz="2000" i="1" dirty="0">
+                <a:sym typeface="Wingdings" panose="05000000000000000000" pitchFamily="2" charset="2"/>
+              </a:rPr>
+              <a:t>Navn og ID</a:t>
+            </a:r>
+            <a:endParaRPr lang="da-DK" i="1" dirty="0"/>
+          </a:p>
+        </p:txBody>
+      </p:sp>
     </p:spTree>
     <p:extLst>
       <p:ext uri="{BB962C8B-B14F-4D97-AF65-F5344CB8AC3E}">
-        <p14:creationId xmlns:p14="http://schemas.microsoft.com/office/powerpoint/2010/main" val="30741916"/>
+        <p14:creationId xmlns:p14="http://schemas.microsoft.com/office/powerpoint/2010/main" val="2549926773"/>
       </p:ext>
     </p:extLst>
   </p:cSld>
@@ -3793,48 +3906,169 @@
           <a:lstStyle/>
           <a:p>
             <a:r>
+              <a:rPr lang="da-DK" b="1" dirty="0"/>
+              <a:t>Valg af platform og teknologi</a:t>
+            </a:r>
+          </a:p>
+        </p:txBody>
+      </p:sp>
+      <p:sp>
+        <p:nvSpPr>
+          <p:cNvPr id="3" name="Content Placeholder 2">
+            <a:extLst>
+              <a:ext uri="{FF2B5EF4-FFF2-40B4-BE49-F238E27FC236}">
+                <a16:creationId xmlns:a16="http://schemas.microsoft.com/office/drawing/2014/main" id="{13D6AB80-3CD6-4481-A4DB-003794C5F020}"/>
+              </a:ext>
+            </a:extLst>
+          </p:cNvPr>
+          <p:cNvSpPr>
+            <a:spLocks noGrp="1"/>
+          </p:cNvSpPr>
+          <p:nvPr>
+            <p:ph idx="1"/>
+          </p:nvPr>
+        </p:nvSpPr>
+        <p:spPr/>
+        <p:txBody>
+          <a:bodyPr>
+            <a:normAutofit/>
+          </a:bodyPr>
+          <a:lstStyle/>
+          <a:p>
+            <a:r>
+              <a:rPr lang="da-DK" dirty="0"/>
+              <a:t>Mange ”for mig” </a:t>
+            </a:r>
+            <a:r>
+              <a:rPr lang="da-DK" i="1" dirty="0"/>
+              <a:t>sikre</a:t>
+            </a:r>
+            <a:r>
+              <a:rPr lang="da-DK" dirty="0"/>
+              <a:t> </a:t>
+            </a:r>
+            <a:r>
+              <a:rPr lang="da-DK" dirty="0" err="1"/>
+              <a:t>løsnings-modeller</a:t>
+            </a:r>
+            <a:r>
+              <a:rPr lang="da-DK" dirty="0"/>
+              <a:t>;</a:t>
+            </a:r>
+          </a:p>
+          <a:p>
+            <a:pPr lvl="1"/>
+            <a:r>
+              <a:rPr lang="da-DK" dirty="0"/>
+              <a:t>C# script, </a:t>
+            </a:r>
+            <a:r>
+              <a:rPr lang="da-DK" dirty="0" err="1"/>
+              <a:t>Azure</a:t>
+            </a:r>
+            <a:r>
+              <a:rPr lang="da-DK" dirty="0"/>
+              <a:t> </a:t>
+            </a:r>
+            <a:r>
+              <a:rPr lang="da-DK" dirty="0" err="1"/>
+              <a:t>DataFactory</a:t>
+            </a:r>
+            <a:r>
+              <a:rPr lang="da-DK" dirty="0"/>
+              <a:t>, </a:t>
+            </a:r>
+            <a:r>
+              <a:rPr lang="da-DK" dirty="0" err="1"/>
+              <a:t>Stored</a:t>
+            </a:r>
+            <a:r>
+              <a:rPr lang="da-DK" dirty="0"/>
+              <a:t> procedures og Relationel SQL database</a:t>
+            </a:r>
+          </a:p>
+          <a:p>
+            <a:pPr marL="0" indent="0">
+              <a:buNone/>
+            </a:pPr>
+            <a:endParaRPr lang="da-DK" dirty="0"/>
+          </a:p>
+          <a:p>
+            <a:pPr marL="0" indent="0">
+              <a:buNone/>
+            </a:pPr>
+            <a:r>
+              <a:rPr lang="da-DK" sz="3600" i="1" dirty="0"/>
+              <a:t>MEN! - </a:t>
+            </a:r>
+            <a:r>
+              <a:rPr lang="da-DK" sz="3200" i="1" dirty="0"/>
+              <a:t>hvad med udfordring?</a:t>
+            </a:r>
+          </a:p>
+          <a:p>
+            <a:pPr marL="0" indent="0">
+              <a:buNone/>
+            </a:pPr>
+            <a:r>
+              <a:rPr lang="da-DK" dirty="0"/>
+              <a:t>AWS, </a:t>
+            </a:r>
+            <a:r>
               <a:rPr lang="da-DK" dirty="0" err="1"/>
               <a:t>Databricks</a:t>
             </a:r>
             <a:r>
               <a:rPr lang="da-DK" dirty="0"/>
-              <a:t> notebooks</a:t>
-            </a:r>
-          </a:p>
-        </p:txBody>
-      </p:sp>
-      <p:sp>
-        <p:nvSpPr>
-          <p:cNvPr id="4" name="Content Placeholder 3">
-            <a:extLst>
-              <a:ext uri="{FF2B5EF4-FFF2-40B4-BE49-F238E27FC236}">
-                <a16:creationId xmlns:a16="http://schemas.microsoft.com/office/drawing/2014/main" id="{B1A08166-C831-403C-8D82-4DF13949AA5E}"/>
-              </a:ext>
-            </a:extLst>
-          </p:cNvPr>
-          <p:cNvSpPr>
-            <a:spLocks noGrp="1"/>
-          </p:cNvSpPr>
-          <p:nvPr>
-            <p:ph idx="1"/>
-          </p:nvPr>
-        </p:nvSpPr>
-        <p:spPr/>
-        <p:txBody>
-          <a:bodyPr/>
-          <a:lstStyle/>
+              <a:t> og Delta Lake tabeller</a:t>
+            </a:r>
+          </a:p>
+          <a:p>
+            <a:pPr marL="0" indent="0">
+              <a:buNone/>
+            </a:pPr>
+            <a:r>
+              <a:rPr lang="da-DK" dirty="0"/>
+              <a:t>	-&gt; en Cloud-baseret, </a:t>
+            </a:r>
+            <a:r>
+              <a:rPr lang="da-DK" dirty="0" err="1"/>
+              <a:t>Lakehouse</a:t>
+            </a:r>
+            <a:r>
+              <a:rPr lang="da-DK" dirty="0"/>
+              <a:t> arkitektur med streaming-data</a:t>
+            </a:r>
+          </a:p>
           <a:p>
             <a:pPr marL="0" indent="0">
               <a:buNone/>
             </a:pPr>
             <a:endParaRPr lang="da-DK" dirty="0"/>
+          </a:p>
+          <a:p>
+            <a:pPr marL="0" indent="0">
+              <a:buNone/>
+            </a:pPr>
+            <a:r>
+              <a:rPr lang="da-DK" i="1" dirty="0"/>
+              <a:t>…Dog ikke helt uden ”</a:t>
+            </a:r>
+            <a:r>
+              <a:rPr lang="da-DK" i="1" dirty="0" err="1"/>
+              <a:t>gotcha’s</a:t>
+            </a:r>
+            <a:r>
+              <a:rPr lang="da-DK" i="1" dirty="0"/>
+              <a:t>”</a:t>
+            </a:r>
           </a:p>
         </p:txBody>
       </p:sp>
     </p:spTree>
     <p:extLst>
       <p:ext uri="{BB962C8B-B14F-4D97-AF65-F5344CB8AC3E}">
-        <p14:creationId xmlns:p14="http://schemas.microsoft.com/office/powerpoint/2010/main" val="1154370384"/>
+        <p14:creationId xmlns:p14="http://schemas.microsoft.com/office/powerpoint/2010/main" val="1677778631"/>
       </p:ext>
     </p:extLst>
   </p:cSld>
@@ -3883,12 +4117,8 @@
           <a:lstStyle/>
           <a:p>
             <a:r>
-              <a:rPr lang="da-DK" dirty="0" err="1"/>
-              <a:t>Dimensionel</a:t>
-            </a:r>
-            <a:r>
-              <a:rPr lang="da-DK" dirty="0"/>
-              <a:t> model</a:t>
+              <a:rPr lang="da-DK" b="1" dirty="0"/>
+              <a:t>Løsnings Design</a:t>
             </a:r>
           </a:p>
         </p:txBody>
@@ -3898,7 +4128,7 @@
           <p:cNvPr id="5" name="Content Placeholder 4" descr="Diagram&#10;&#10;Description automatically generated">
             <a:extLst>
               <a:ext uri="{FF2B5EF4-FFF2-40B4-BE49-F238E27FC236}">
-                <a16:creationId xmlns:a16="http://schemas.microsoft.com/office/drawing/2014/main" id="{7695630E-8757-4BF9-BEC1-F495BF235561}"/>
+                <a16:creationId xmlns:a16="http://schemas.microsoft.com/office/drawing/2014/main" id="{F3963B2A-7B4A-4413-B816-E5F697988D47}"/>
               </a:ext>
             </a:extLst>
           </p:cNvPr>
@@ -3923,15 +4153,15 @@
         </p:blipFill>
         <p:spPr>
           <a:xfrm>
-            <a:off x="1241163" y="1690688"/>
-            <a:ext cx="9709673" cy="4351338"/>
+            <a:off x="838200" y="1551446"/>
+            <a:ext cx="10329210" cy="4667593"/>
           </a:xfrm>
         </p:spPr>
       </p:pic>
     </p:spTree>
     <p:extLst>
       <p:ext uri="{BB962C8B-B14F-4D97-AF65-F5344CB8AC3E}">
-        <p14:creationId xmlns:p14="http://schemas.microsoft.com/office/powerpoint/2010/main" val="913820668"/>
+        <p14:creationId xmlns:p14="http://schemas.microsoft.com/office/powerpoint/2010/main" val="30741916"/>
       </p:ext>
     </p:extLst>
   </p:cSld>
@@ -3980,42 +4210,293 @@
           <a:lstStyle/>
           <a:p>
             <a:r>
+              <a:rPr lang="da-DK" b="1" dirty="0" err="1"/>
+              <a:t>Databricks</a:t>
+            </a:r>
+            <a:r>
+              <a:rPr lang="da-DK" b="1" dirty="0"/>
+              <a:t> notebooks</a:t>
+            </a:r>
+          </a:p>
+        </p:txBody>
+      </p:sp>
+      <p:sp>
+        <p:nvSpPr>
+          <p:cNvPr id="4" name="Content Placeholder 3">
+            <a:extLst>
+              <a:ext uri="{FF2B5EF4-FFF2-40B4-BE49-F238E27FC236}">
+                <a16:creationId xmlns:a16="http://schemas.microsoft.com/office/drawing/2014/main" id="{B1A08166-C831-403C-8D82-4DF13949AA5E}"/>
+              </a:ext>
+            </a:extLst>
+          </p:cNvPr>
+          <p:cNvSpPr>
+            <a:spLocks noGrp="1"/>
+          </p:cNvSpPr>
+          <p:nvPr>
+            <p:ph idx="1"/>
+          </p:nvPr>
+        </p:nvSpPr>
+        <p:spPr/>
+        <p:txBody>
+          <a:bodyPr/>
+          <a:lstStyle/>
+          <a:p>
+            <a:pPr marL="0" indent="0">
+              <a:buNone/>
+            </a:pPr>
+            <a:r>
               <a:rPr lang="da-DK" dirty="0"/>
+              <a:t>2 notebooks: </a:t>
+            </a:r>
+          </a:p>
+          <a:p>
+            <a:pPr marL="0" indent="0">
+              <a:buNone/>
+            </a:pPr>
+            <a:r>
+              <a:rPr lang="da-DK" dirty="0"/>
+              <a:t>1.Ingest som kan </a:t>
+            </a:r>
+            <a:r>
+              <a:rPr lang="da-DK" dirty="0" err="1"/>
+              <a:t>scheduleres</a:t>
+            </a:r>
+            <a:endParaRPr lang="da-DK" dirty="0"/>
+          </a:p>
+          <a:p>
+            <a:pPr marL="0" indent="0">
+              <a:buNone/>
+            </a:pPr>
+            <a:r>
+              <a:rPr lang="da-DK" dirty="0"/>
+              <a:t>2. ETL som kører ”hele tiden” og lytter på </a:t>
+            </a:r>
+            <a:r>
+              <a:rPr lang="da-DK" dirty="0" err="1"/>
+              <a:t>Landingzone</a:t>
+            </a:r>
+            <a:endParaRPr lang="da-DK" dirty="0"/>
+          </a:p>
+          <a:p>
+            <a:pPr marL="0" indent="0">
+              <a:buNone/>
+            </a:pPr>
+            <a:endParaRPr lang="da-DK" dirty="0"/>
+          </a:p>
+          <a:p>
+            <a:pPr marL="0" indent="0">
+              <a:buNone/>
+            </a:pPr>
+            <a:r>
+              <a:rPr lang="da-DK" i="1" dirty="0"/>
+              <a:t>Husk: Start ETL stream før </a:t>
+            </a:r>
+            <a:r>
+              <a:rPr lang="da-DK" i="1" dirty="0" err="1"/>
+              <a:t>Ingest</a:t>
+            </a:r>
+            <a:endParaRPr lang="da-DK" i="1" dirty="0"/>
+          </a:p>
+        </p:txBody>
+      </p:sp>
+    </p:spTree>
+    <p:extLst>
+      <p:ext uri="{BB962C8B-B14F-4D97-AF65-F5344CB8AC3E}">
+        <p14:creationId xmlns:p14="http://schemas.microsoft.com/office/powerpoint/2010/main" val="1154370384"/>
+      </p:ext>
+    </p:extLst>
+  </p:cSld>
+  <p:clrMapOvr>
+    <a:masterClrMapping/>
+  </p:clrMapOvr>
+</p:sld>
+</file>
+
+<file path=ppt/slides/slide7.xml><?xml version="1.0" encoding="utf-8"?>
+<p:sld xmlns:a="http://schemas.openxmlformats.org/drawingml/2006/main" xmlns:r="http://schemas.openxmlformats.org/officeDocument/2006/relationships" xmlns:p="http://schemas.openxmlformats.org/presentationml/2006/main">
+  <p:cSld>
+    <p:spTree>
+      <p:nvGrpSpPr>
+        <p:cNvPr id="1" name=""/>
+        <p:cNvGrpSpPr/>
+        <p:nvPr/>
+      </p:nvGrpSpPr>
+      <p:grpSpPr>
+        <a:xfrm>
+          <a:off x="0" y="0"/>
+          <a:ext cx="0" cy="0"/>
+          <a:chOff x="0" y="0"/>
+          <a:chExt cx="0" cy="0"/>
+        </a:xfrm>
+      </p:grpSpPr>
+      <p:sp>
+        <p:nvSpPr>
+          <p:cNvPr id="2" name="Title 1">
+            <a:extLst>
+              <a:ext uri="{FF2B5EF4-FFF2-40B4-BE49-F238E27FC236}">
+                <a16:creationId xmlns:a16="http://schemas.microsoft.com/office/drawing/2014/main" id="{CDAC785D-7F57-4081-97E4-4CCE3D01F4BF}"/>
+              </a:ext>
+            </a:extLst>
+          </p:cNvPr>
+          <p:cNvSpPr>
+            <a:spLocks noGrp="1"/>
+          </p:cNvSpPr>
+          <p:nvPr>
+            <p:ph type="title"/>
+          </p:nvPr>
+        </p:nvSpPr>
+        <p:spPr/>
+        <p:txBody>
+          <a:bodyPr/>
+          <a:lstStyle/>
+          <a:p>
+            <a:r>
+              <a:rPr lang="da-DK" b="1" dirty="0" err="1"/>
+              <a:t>Dimensionel</a:t>
+            </a:r>
+            <a:r>
+              <a:rPr lang="da-DK" b="1" dirty="0"/>
+              <a:t> model</a:t>
+            </a:r>
+          </a:p>
+        </p:txBody>
+      </p:sp>
+      <p:pic>
+        <p:nvPicPr>
+          <p:cNvPr id="5" name="Content Placeholder 4" descr="Diagram&#10;&#10;Description automatically generated">
+            <a:extLst>
+              <a:ext uri="{FF2B5EF4-FFF2-40B4-BE49-F238E27FC236}">
+                <a16:creationId xmlns:a16="http://schemas.microsoft.com/office/drawing/2014/main" id="{7695630E-8757-4BF9-BEC1-F495BF235561}"/>
+              </a:ext>
+            </a:extLst>
+          </p:cNvPr>
+          <p:cNvPicPr>
+            <a:picLocks noGrp="1" noChangeAspect="1"/>
+          </p:cNvPicPr>
+          <p:nvPr>
+            <p:ph idx="1"/>
+          </p:nvPr>
+        </p:nvPicPr>
+        <p:blipFill>
+          <a:blip r:embed="rId2">
+            <a:extLst>
+              <a:ext uri="{28A0092B-C50C-407E-A947-70E740481C1C}">
+                <a14:useLocalDpi xmlns:a14="http://schemas.microsoft.com/office/drawing/2010/main" val="0"/>
+              </a:ext>
+            </a:extLst>
+          </a:blip>
+          <a:stretch>
+            <a:fillRect/>
+          </a:stretch>
+        </p:blipFill>
+        <p:spPr>
+          <a:xfrm>
+            <a:off x="1241163" y="1690688"/>
+            <a:ext cx="9709673" cy="4351338"/>
+          </a:xfrm>
+        </p:spPr>
+      </p:pic>
+    </p:spTree>
+    <p:extLst>
+      <p:ext uri="{BB962C8B-B14F-4D97-AF65-F5344CB8AC3E}">
+        <p14:creationId xmlns:p14="http://schemas.microsoft.com/office/powerpoint/2010/main" val="913820668"/>
+      </p:ext>
+    </p:extLst>
+  </p:cSld>
+  <p:clrMapOvr>
+    <a:masterClrMapping/>
+  </p:clrMapOvr>
+</p:sld>
+</file>
+
+<file path=ppt/slides/slide8.xml><?xml version="1.0" encoding="utf-8"?>
+<p:sld xmlns:a="http://schemas.openxmlformats.org/drawingml/2006/main" xmlns:r="http://schemas.openxmlformats.org/officeDocument/2006/relationships" xmlns:p="http://schemas.openxmlformats.org/presentationml/2006/main">
+  <p:cSld>
+    <p:spTree>
+      <p:nvGrpSpPr>
+        <p:cNvPr id="1" name=""/>
+        <p:cNvGrpSpPr/>
+        <p:nvPr/>
+      </p:nvGrpSpPr>
+      <p:grpSpPr>
+        <a:xfrm>
+          <a:off x="0" y="0"/>
+          <a:ext cx="0" cy="0"/>
+          <a:chOff x="0" y="0"/>
+          <a:chExt cx="0" cy="0"/>
+        </a:xfrm>
+      </p:grpSpPr>
+      <p:sp>
+        <p:nvSpPr>
+          <p:cNvPr id="2" name="Title 1">
+            <a:extLst>
+              <a:ext uri="{FF2B5EF4-FFF2-40B4-BE49-F238E27FC236}">
+                <a16:creationId xmlns:a16="http://schemas.microsoft.com/office/drawing/2014/main" id="{CDAC785D-7F57-4081-97E4-4CCE3D01F4BF}"/>
+              </a:ext>
+            </a:extLst>
+          </p:cNvPr>
+          <p:cNvSpPr>
+            <a:spLocks noGrp="1"/>
+          </p:cNvSpPr>
+          <p:nvPr>
+            <p:ph type="title"/>
+          </p:nvPr>
+        </p:nvSpPr>
+        <p:spPr/>
+        <p:txBody>
+          <a:bodyPr/>
+          <a:lstStyle/>
+          <a:p>
+            <a:r>
+              <a:rPr lang="da-DK" b="1" dirty="0"/>
               <a:t>Tanker og </a:t>
             </a:r>
             <a:r>
-              <a:rPr lang="da-DK" dirty="0" err="1"/>
+              <a:rPr lang="da-DK" b="1" dirty="0" err="1"/>
               <a:t>reflektioner</a:t>
             </a:r>
+            <a:endParaRPr lang="da-DK" b="1" dirty="0"/>
+          </a:p>
+        </p:txBody>
+      </p:sp>
+      <p:sp>
+        <p:nvSpPr>
+          <p:cNvPr id="4" name="Content Placeholder 3">
+            <a:extLst>
+              <a:ext uri="{FF2B5EF4-FFF2-40B4-BE49-F238E27FC236}">
+                <a16:creationId xmlns:a16="http://schemas.microsoft.com/office/drawing/2014/main" id="{B1A08166-C831-403C-8D82-4DF13949AA5E}"/>
+              </a:ext>
+            </a:extLst>
+          </p:cNvPr>
+          <p:cNvSpPr>
+            <a:spLocks noGrp="1"/>
+          </p:cNvSpPr>
+          <p:nvPr>
+            <p:ph idx="1"/>
+          </p:nvPr>
+        </p:nvSpPr>
+        <p:spPr/>
+        <p:txBody>
+          <a:bodyPr/>
+          <a:lstStyle/>
+          <a:p>
+            <a:r>
+              <a:rPr lang="da-DK" dirty="0"/>
+              <a:t>SCD2 håndtering er bygget i hånden, frem for at bruge Time Travel</a:t>
+            </a:r>
+          </a:p>
+          <a:p>
+            <a:pPr lvl="1"/>
+            <a:r>
+              <a:rPr lang="da-DK" dirty="0"/>
+              <a:t>Kunne gøre begge dele, men det er mere eksplicit hvad der foregår</a:t>
+            </a:r>
+          </a:p>
+          <a:p>
+            <a:pPr marL="457200" lvl="1" indent="0">
+              <a:buNone/>
+            </a:pPr>
             <a:endParaRPr lang="da-DK" dirty="0"/>
-          </a:p>
-        </p:txBody>
-      </p:sp>
-      <p:sp>
-        <p:nvSpPr>
-          <p:cNvPr id="4" name="Content Placeholder 3">
-            <a:extLst>
-              <a:ext uri="{FF2B5EF4-FFF2-40B4-BE49-F238E27FC236}">
-                <a16:creationId xmlns:a16="http://schemas.microsoft.com/office/drawing/2014/main" id="{B1A08166-C831-403C-8D82-4DF13949AA5E}"/>
-              </a:ext>
-            </a:extLst>
-          </p:cNvPr>
-          <p:cNvSpPr>
-            <a:spLocks noGrp="1"/>
-          </p:cNvSpPr>
-          <p:nvPr>
-            <p:ph idx="1"/>
-          </p:nvPr>
-        </p:nvSpPr>
-        <p:spPr/>
-        <p:txBody>
-          <a:bodyPr/>
-          <a:lstStyle/>
-          <a:p>
-            <a:r>
-              <a:rPr lang="da-DK" dirty="0"/>
-              <a:t>SCD2 håndtering er bygget i hånden, frem for at bruge Time Travel:</a:t>
-            </a:r>
           </a:p>
           <a:p>
             <a:r>
@@ -4042,31 +4523,40 @@
               <a:t> objektet </a:t>
             </a:r>
             <a:r>
-              <a:rPr lang="da-DK" i="1" dirty="0"/>
+              <a:rPr lang="da-DK" i="1" u="sng" dirty="0"/>
               <a:t>venter ikke</a:t>
             </a:r>
             <a:r>
+              <a:rPr lang="da-DK" u="sng" dirty="0"/>
+              <a:t> </a:t>
+            </a:r>
+            <a:r>
               <a:rPr lang="da-DK" dirty="0"/>
-              <a:t> på dimensionerne </a:t>
+              <a:t>på dimensionerne </a:t>
             </a:r>
             <a:r>
               <a:rPr lang="da-DK" dirty="0">
                 <a:sym typeface="Wingdings" panose="05000000000000000000" pitchFamily="2" charset="2"/>
               </a:rPr>
-              <a:t> Såfremt der sker en tilføjelse af en Pokemon, kan det være den skal behandles 2 gange, førend den bliver set, og den er derfor </a:t>
-            </a:r>
-            <a:r>
-              <a:rPr lang="da-DK" i="1" dirty="0">
+              <a:t> Såfremt der sker en tilføjelse af en Pokemon, vil den først komme med i næste bearbejdning af </a:t>
+            </a:r>
+            <a:r>
+              <a:rPr lang="da-DK" dirty="0" err="1">
                 <a:sym typeface="Wingdings" panose="05000000000000000000" pitchFamily="2" charset="2"/>
               </a:rPr>
-              <a:t>bagefter</a:t>
-            </a:r>
-            <a:r>
-              <a:rPr lang="da-DK" dirty="0">
+              <a:t>facten</a:t>
+            </a:r>
+            <a:r>
+              <a:rPr lang="da-DK">
                 <a:sym typeface="Wingdings" panose="05000000000000000000" pitchFamily="2" charset="2"/>
               </a:rPr>
               <a:t>.</a:t>
             </a:r>
+          </a:p>
+          <a:p>
+            <a:pPr marL="457200" lvl="1" indent="0">
+              <a:buNone/>
+            </a:pPr>
             <a:endParaRPr lang="da-DK" dirty="0"/>
           </a:p>
           <a:p>
